--- a/Lecture_2/A Taste of Fisheries Science_presentation2.pptx
+++ b/Lecture_2/A Taste of Fisheries Science_presentation2.pptx
@@ -221,7 +221,7 @@
           <a:p>
             <a:fld id="{2398E56C-5B4E-4C10-84AF-04B7AE478ABE}" type="datetimeFigureOut">
               <a:rPr lang="en-US" smtClean="0"/>
-              <a:t>2/9/2022</a:t>
+              <a:t>5/26/2022</a:t>
             </a:fld>
             <a:endParaRPr lang="en-US"/>
           </a:p>
@@ -1959,7 +1959,7 @@
           <a:p>
             <a:fld id="{5D8BE0D3-E4A9-48BC-9171-F8D206744B4D}" type="datetimeFigureOut">
               <a:rPr lang="en-US" smtClean="0"/>
-              <a:t>2/9/2022</a:t>
+              <a:t>5/26/2022</a:t>
             </a:fld>
             <a:endParaRPr lang="en-US"/>
           </a:p>
@@ -2167,7 +2167,7 @@
           <a:p>
             <a:fld id="{5D8BE0D3-E4A9-48BC-9171-F8D206744B4D}" type="datetimeFigureOut">
               <a:rPr lang="en-US" smtClean="0"/>
-              <a:t>2/9/2022</a:t>
+              <a:t>5/26/2022</a:t>
             </a:fld>
             <a:endParaRPr lang="en-US"/>
           </a:p>
@@ -2423,7 +2423,7 @@
           <a:p>
             <a:fld id="{5D8BE0D3-E4A9-48BC-9171-F8D206744B4D}" type="datetimeFigureOut">
               <a:rPr lang="en-US" smtClean="0"/>
-              <a:t>2/9/2022</a:t>
+              <a:t>5/26/2022</a:t>
             </a:fld>
             <a:endParaRPr lang="en-US"/>
           </a:p>
@@ -2593,7 +2593,7 @@
           <a:p>
             <a:fld id="{5D8BE0D3-E4A9-48BC-9171-F8D206744B4D}" type="datetimeFigureOut">
               <a:rPr lang="en-US" smtClean="0"/>
-              <a:t>2/9/2022</a:t>
+              <a:t>5/26/2022</a:t>
             </a:fld>
             <a:endParaRPr lang="en-US"/>
           </a:p>
@@ -2936,7 +2936,7 @@
           <a:p>
             <a:fld id="{5D8BE0D3-E4A9-48BC-9171-F8D206744B4D}" type="datetimeFigureOut">
               <a:rPr lang="en-US" smtClean="0"/>
-              <a:t>2/9/2022</a:t>
+              <a:t>5/26/2022</a:t>
             </a:fld>
             <a:endParaRPr lang="en-US"/>
           </a:p>
@@ -3211,7 +3211,7 @@
           <a:p>
             <a:fld id="{5D8BE0D3-E4A9-48BC-9171-F8D206744B4D}" type="datetimeFigureOut">
               <a:rPr lang="en-US" smtClean="0"/>
-              <a:t>2/9/2022</a:t>
+              <a:t>5/26/2022</a:t>
             </a:fld>
             <a:endParaRPr lang="en-US"/>
           </a:p>
@@ -3589,7 +3589,7 @@
           <a:p>
             <a:fld id="{5D8BE0D3-E4A9-48BC-9171-F8D206744B4D}" type="datetimeFigureOut">
               <a:rPr lang="en-US" smtClean="0"/>
-              <a:t>2/9/2022</a:t>
+              <a:t>5/26/2022</a:t>
             </a:fld>
             <a:endParaRPr lang="en-US"/>
           </a:p>
@@ -3707,7 +3707,7 @@
           <a:p>
             <a:fld id="{5D8BE0D3-E4A9-48BC-9171-F8D206744B4D}" type="datetimeFigureOut">
               <a:rPr lang="en-US" smtClean="0"/>
-              <a:t>2/9/2022</a:t>
+              <a:t>5/26/2022</a:t>
             </a:fld>
             <a:endParaRPr lang="en-US"/>
           </a:p>
@@ -3878,7 +3878,7 @@
           <a:p>
             <a:fld id="{5D8BE0D3-E4A9-48BC-9171-F8D206744B4D}" type="datetimeFigureOut">
               <a:rPr lang="en-US" smtClean="0"/>
-              <a:t>2/9/2022</a:t>
+              <a:t>5/26/2022</a:t>
             </a:fld>
             <a:endParaRPr lang="en-US"/>
           </a:p>
@@ -4232,7 +4232,7 @@
           <a:p>
             <a:fld id="{5D8BE0D3-E4A9-48BC-9171-F8D206744B4D}" type="datetimeFigureOut">
               <a:rPr lang="en-US" smtClean="0"/>
-              <a:t>2/9/2022</a:t>
+              <a:t>5/26/2022</a:t>
             </a:fld>
             <a:endParaRPr lang="en-US"/>
           </a:p>
@@ -4609,7 +4609,7 @@
           <a:p>
             <a:fld id="{5D8BE0D3-E4A9-48BC-9171-F8D206744B4D}" type="datetimeFigureOut">
               <a:rPr lang="en-US" smtClean="0"/>
-              <a:t>2/9/2022</a:t>
+              <a:t>5/26/2022</a:t>
             </a:fld>
             <a:endParaRPr lang="en-US"/>
           </a:p>
@@ -4894,7 +4894,7 @@
           <a:p>
             <a:fld id="{5D8BE0D3-E4A9-48BC-9171-F8D206744B4D}" type="datetimeFigureOut">
               <a:rPr lang="en-US" smtClean="0"/>
-              <a:t>2/9/2022</a:t>
+              <a:t>5/26/2022</a:t>
             </a:fld>
             <a:endParaRPr lang="en-US"/>
           </a:p>
@@ -16372,109 +16372,6 @@
       </p:grpSp>
       <p:grpSp>
         <p:nvGrpSpPr>
-          <p:cNvPr id="5" name="Group 4">
-            <a:extLst>
-              <a:ext uri="{FF2B5EF4-FFF2-40B4-BE49-F238E27FC236}">
-                <a16:creationId xmlns:a16="http://schemas.microsoft.com/office/drawing/2014/main" id="{5F5D7396-AA77-4843-A1CD-518A50F92718}"/>
-              </a:ext>
-            </a:extLst>
-          </p:cNvPr>
-          <p:cNvGrpSpPr/>
-          <p:nvPr/>
-        </p:nvGrpSpPr>
-        <p:grpSpPr>
-          <a:xfrm>
-            <a:off x="8066514" y="5000852"/>
-            <a:ext cx="3348358" cy="1332216"/>
-            <a:chOff x="350269" y="3766432"/>
-            <a:chExt cx="4221732" cy="2374724"/>
-          </a:xfrm>
-        </p:grpSpPr>
-        <p:pic>
-          <p:nvPicPr>
-            <p:cNvPr id="1030" name="Picture 6" descr="Dredge fishing gear - Marine Stewardship Council | Marine Stewardship  Council">
-              <a:extLst>
-                <a:ext uri="{FF2B5EF4-FFF2-40B4-BE49-F238E27FC236}">
-                  <a16:creationId xmlns:a16="http://schemas.microsoft.com/office/drawing/2014/main" id="{DF355ECD-2ED5-42DB-869C-6B6782A41B3B}"/>
-                </a:ext>
-              </a:extLst>
-            </p:cNvPr>
-            <p:cNvPicPr>
-              <a:picLocks noChangeAspect="1" noChangeArrowheads="1"/>
-            </p:cNvPicPr>
-            <p:nvPr/>
-          </p:nvPicPr>
-          <p:blipFill>
-            <a:blip r:embed="rId4">
-              <a:extLst>
-                <a:ext uri="{28A0092B-C50C-407E-A947-70E740481C1C}">
-                  <a14:useLocalDpi xmlns:a14="http://schemas.microsoft.com/office/drawing/2010/main" val="0"/>
-                </a:ext>
-              </a:extLst>
-            </a:blip>
-            <a:srcRect/>
-            <a:stretch>
-              <a:fillRect/>
-            </a:stretch>
-          </p:blipFill>
-          <p:spPr bwMode="auto">
-            <a:xfrm>
-              <a:off x="350269" y="3766432"/>
-              <a:ext cx="4221732" cy="2374724"/>
-            </a:xfrm>
-            <a:prstGeom prst="rect">
-              <a:avLst/>
-            </a:prstGeom>
-            <a:noFill/>
-            <a:extLst>
-              <a:ext uri="{909E8E84-426E-40DD-AFC4-6F175D3DCCD1}">
-                <a14:hiddenFill xmlns:a14="http://schemas.microsoft.com/office/drawing/2010/main">
-                  <a:solidFill>
-                    <a:srgbClr val="FFFFFF"/>
-                  </a:solidFill>
-                </a14:hiddenFill>
-              </a:ext>
-            </a:extLst>
-          </p:spPr>
-        </p:pic>
-        <p:sp>
-          <p:nvSpPr>
-            <p:cNvPr id="9" name="TextBox 8">
-              <a:extLst>
-                <a:ext uri="{FF2B5EF4-FFF2-40B4-BE49-F238E27FC236}">
-                  <a16:creationId xmlns:a16="http://schemas.microsoft.com/office/drawing/2014/main" id="{2CA69344-0728-4924-A008-E7C1CD90B74A}"/>
-                </a:ext>
-              </a:extLst>
-            </p:cNvPr>
-            <p:cNvSpPr txBox="1"/>
-            <p:nvPr/>
-          </p:nvSpPr>
-          <p:spPr>
-            <a:xfrm>
-              <a:off x="3358445" y="5363822"/>
-              <a:ext cx="1128889" cy="369332"/>
-            </a:xfrm>
-            <a:prstGeom prst="rect">
-              <a:avLst/>
-            </a:prstGeom>
-            <a:noFill/>
-          </p:spPr>
-          <p:txBody>
-            <a:bodyPr wrap="square" rtlCol="0">
-              <a:spAutoFit/>
-            </a:bodyPr>
-            <a:lstStyle/>
-            <a:p>
-              <a:r>
-                <a:rPr lang="en-US" dirty="0"/>
-                <a:t>Dredge</a:t>
-              </a:r>
-            </a:p>
-          </p:txBody>
-        </p:sp>
-      </p:grpSp>
-      <p:grpSp>
-        <p:nvGrpSpPr>
           <p:cNvPr id="7" name="Group 6">
             <a:extLst>
               <a:ext uri="{FF2B5EF4-FFF2-40B4-BE49-F238E27FC236}">
@@ -16508,7 +16405,7 @@
             <p:nvPr/>
           </p:nvPicPr>
           <p:blipFill>
-            <a:blip r:embed="rId5">
+            <a:blip r:embed="rId4">
               <a:extLst>
                 <a:ext uri="{28A0092B-C50C-407E-A947-70E740481C1C}">
                   <a14:useLocalDpi xmlns:a14="http://schemas.microsoft.com/office/drawing/2010/main" val="0"/>
@@ -16591,13 +16488,13 @@
           <p:nvPr/>
         </p:nvPicPr>
         <p:blipFill>
-          <a:blip r:embed="rId6">
+          <a:blip r:embed="rId5">
             <a:extLst>
               <a:ext uri="{28A0092B-C50C-407E-A947-70E740481C1C}">
                 <a14:useLocalDpi xmlns:a14="http://schemas.microsoft.com/office/drawing/2010/main" val="0"/>
               </a:ext>
               <a:ext uri="{96DAC541-7B7A-43D3-8B79-37D633B846F1}">
-                <asvg:svgBlip xmlns:asvg="http://schemas.microsoft.com/office/drawing/2016/SVG/main" r:embed="rId7"/>
+                <asvg:svgBlip xmlns:asvg="http://schemas.microsoft.com/office/drawing/2016/SVG/main" r:embed="rId6"/>
               </a:ext>
             </a:extLst>
           </a:blip>
@@ -16608,84 +16505,6 @@
         <p:spPr>
           <a:xfrm>
             <a:off x="9355212" y="6024655"/>
-            <a:ext cx="54864" cy="54864"/>
-          </a:xfrm>
-          <a:prstGeom prst="rect">
-            <a:avLst/>
-          </a:prstGeom>
-        </p:spPr>
-      </p:pic>
-      <p:pic>
-        <p:nvPicPr>
-          <p:cNvPr id="16" name="Graphic 15" descr="Shell">
-            <a:extLst>
-              <a:ext uri="{FF2B5EF4-FFF2-40B4-BE49-F238E27FC236}">
-                <a16:creationId xmlns:a16="http://schemas.microsoft.com/office/drawing/2014/main" id="{D77BD75B-35AC-418D-A725-7B0C0B8939DB}"/>
-              </a:ext>
-            </a:extLst>
-          </p:cNvPr>
-          <p:cNvPicPr>
-            <a:picLocks noChangeAspect="1"/>
-          </p:cNvPicPr>
-          <p:nvPr/>
-        </p:nvPicPr>
-        <p:blipFill>
-          <a:blip r:embed="rId6">
-            <a:extLst>
-              <a:ext uri="{28A0092B-C50C-407E-A947-70E740481C1C}">
-                <a14:useLocalDpi xmlns:a14="http://schemas.microsoft.com/office/drawing/2010/main" val="0"/>
-              </a:ext>
-              <a:ext uri="{96DAC541-7B7A-43D3-8B79-37D633B846F1}">
-                <asvg:svgBlip xmlns:asvg="http://schemas.microsoft.com/office/drawing/2016/SVG/main" r:embed="rId7"/>
-              </a:ext>
-            </a:extLst>
-          </a:blip>
-          <a:stretch>
-            <a:fillRect/>
-          </a:stretch>
-        </p:blipFill>
-        <p:spPr>
-          <a:xfrm>
-            <a:off x="9507612" y="6177055"/>
-            <a:ext cx="54864" cy="54864"/>
-          </a:xfrm>
-          <a:prstGeom prst="rect">
-            <a:avLst/>
-          </a:prstGeom>
-        </p:spPr>
-      </p:pic>
-      <p:pic>
-        <p:nvPicPr>
-          <p:cNvPr id="17" name="Graphic 16" descr="Shell">
-            <a:extLst>
-              <a:ext uri="{FF2B5EF4-FFF2-40B4-BE49-F238E27FC236}">
-                <a16:creationId xmlns:a16="http://schemas.microsoft.com/office/drawing/2014/main" id="{84A1236A-1C5E-4455-A7C0-43804F4F9D2F}"/>
-              </a:ext>
-            </a:extLst>
-          </p:cNvPr>
-          <p:cNvPicPr>
-            <a:picLocks noChangeAspect="1"/>
-          </p:cNvPicPr>
-          <p:nvPr/>
-        </p:nvPicPr>
-        <p:blipFill>
-          <a:blip r:embed="rId6">
-            <a:extLst>
-              <a:ext uri="{28A0092B-C50C-407E-A947-70E740481C1C}">
-                <a14:useLocalDpi xmlns:a14="http://schemas.microsoft.com/office/drawing/2010/main" val="0"/>
-              </a:ext>
-              <a:ext uri="{96DAC541-7B7A-43D3-8B79-37D633B846F1}">
-                <asvg:svgBlip xmlns:asvg="http://schemas.microsoft.com/office/drawing/2016/SVG/main" r:embed="rId7"/>
-              </a:ext>
-            </a:extLst>
-          </a:blip>
-          <a:stretch>
-            <a:fillRect/>
-          </a:stretch>
-        </p:blipFill>
-        <p:spPr>
-          <a:xfrm>
-            <a:off x="9410076" y="6079519"/>
             <a:ext cx="54864" cy="54864"/>
           </a:xfrm>
           <a:prstGeom prst="rect">
@@ -16708,13 +16527,13 @@
           <p:nvPr/>
         </p:nvPicPr>
         <p:blipFill>
-          <a:blip r:embed="rId6">
+          <a:blip r:embed="rId5">
             <a:extLst>
               <a:ext uri="{28A0092B-C50C-407E-A947-70E740481C1C}">
                 <a14:useLocalDpi xmlns:a14="http://schemas.microsoft.com/office/drawing/2010/main" val="0"/>
               </a:ext>
               <a:ext uri="{96DAC541-7B7A-43D3-8B79-37D633B846F1}">
-                <asvg:svgBlip xmlns:asvg="http://schemas.microsoft.com/office/drawing/2016/SVG/main" r:embed="rId7"/>
+                <asvg:svgBlip xmlns:asvg="http://schemas.microsoft.com/office/drawing/2016/SVG/main" r:embed="rId6"/>
               </a:ext>
             </a:extLst>
           </a:blip>
@@ -16732,162 +16551,364 @@
           </a:prstGeom>
         </p:spPr>
       </p:pic>
-      <p:pic>
-        <p:nvPicPr>
-          <p:cNvPr id="19" name="Graphic 18" descr="Shell">
+      <p:grpSp>
+        <p:nvGrpSpPr>
+          <p:cNvPr id="8" name="Group 7">
             <a:extLst>
               <a:ext uri="{FF2B5EF4-FFF2-40B4-BE49-F238E27FC236}">
-                <a16:creationId xmlns:a16="http://schemas.microsoft.com/office/drawing/2014/main" id="{D6585A4B-5133-4A61-83A2-2EE02ED8330E}"/>
+                <a16:creationId xmlns:a16="http://schemas.microsoft.com/office/drawing/2014/main" id="{E6EC179A-B763-46DA-938B-F1A1C28288B0}"/>
               </a:ext>
             </a:extLst>
           </p:cNvPr>
-          <p:cNvPicPr>
-            <a:picLocks noChangeAspect="1"/>
-          </p:cNvPicPr>
+          <p:cNvGrpSpPr/>
           <p:nvPr/>
-        </p:nvPicPr>
-        <p:blipFill>
-          <a:blip r:embed="rId6">
-            <a:extLst>
-              <a:ext uri="{28A0092B-C50C-407E-A947-70E740481C1C}">
-                <a14:useLocalDpi xmlns:a14="http://schemas.microsoft.com/office/drawing/2010/main" val="0"/>
-              </a:ext>
-              <a:ext uri="{96DAC541-7B7A-43D3-8B79-37D633B846F1}">
-                <asvg:svgBlip xmlns:asvg="http://schemas.microsoft.com/office/drawing/2016/SVG/main" r:embed="rId7"/>
-              </a:ext>
-            </a:extLst>
-          </a:blip>
-          <a:stretch>
-            <a:fillRect/>
-          </a:stretch>
-        </p:blipFill>
-        <p:spPr>
+        </p:nvGrpSpPr>
+        <p:grpSpPr>
           <a:xfrm>
-            <a:off x="9272916" y="6050261"/>
-            <a:ext cx="54864" cy="54864"/>
+            <a:off x="8066514" y="5000857"/>
+            <a:ext cx="3348357" cy="1332219"/>
+            <a:chOff x="8066514" y="5000857"/>
+            <a:chExt cx="3348357" cy="1332219"/>
           </a:xfrm>
-          <a:prstGeom prst="rect">
-            <a:avLst/>
-          </a:prstGeom>
-        </p:spPr>
-      </p:pic>
-      <p:pic>
-        <p:nvPicPr>
-          <p:cNvPr id="20" name="Graphic 19" descr="Shell">
-            <a:extLst>
-              <a:ext uri="{FF2B5EF4-FFF2-40B4-BE49-F238E27FC236}">
-                <a16:creationId xmlns:a16="http://schemas.microsoft.com/office/drawing/2014/main" id="{A687EF74-0412-44C0-B107-562C7CE86032}"/>
-              </a:ext>
-            </a:extLst>
-          </p:cNvPr>
-          <p:cNvPicPr>
-            <a:picLocks noChangeAspect="1"/>
-          </p:cNvPicPr>
-          <p:nvPr/>
-        </p:nvPicPr>
-        <p:blipFill>
-          <a:blip r:embed="rId6">
-            <a:extLst>
-              <a:ext uri="{28A0092B-C50C-407E-A947-70E740481C1C}">
-                <a14:useLocalDpi xmlns:a14="http://schemas.microsoft.com/office/drawing/2010/main" val="0"/>
-              </a:ext>
-              <a:ext uri="{96DAC541-7B7A-43D3-8B79-37D633B846F1}">
-                <asvg:svgBlip xmlns:asvg="http://schemas.microsoft.com/office/drawing/2016/SVG/main" r:embed="rId7"/>
-              </a:ext>
-            </a:extLst>
-          </a:blip>
-          <a:stretch>
-            <a:fillRect/>
-          </a:stretch>
-        </p:blipFill>
-        <p:spPr>
-          <a:xfrm>
-            <a:off x="9218052" y="6045099"/>
-            <a:ext cx="54864" cy="54864"/>
-          </a:xfrm>
-          <a:prstGeom prst="rect">
-            <a:avLst/>
-          </a:prstGeom>
-        </p:spPr>
-      </p:pic>
-      <p:pic>
-        <p:nvPicPr>
-          <p:cNvPr id="21" name="Graphic 20" descr="Shell">
-            <a:extLst>
-              <a:ext uri="{FF2B5EF4-FFF2-40B4-BE49-F238E27FC236}">
-                <a16:creationId xmlns:a16="http://schemas.microsoft.com/office/drawing/2014/main" id="{5FC1D4EC-11AE-4B65-90D8-BE73462CF5DF}"/>
-              </a:ext>
-            </a:extLst>
-          </p:cNvPr>
-          <p:cNvPicPr>
-            <a:picLocks noChangeAspect="1"/>
-          </p:cNvPicPr>
-          <p:nvPr/>
-        </p:nvPicPr>
-        <p:blipFill>
-          <a:blip r:embed="rId6">
-            <a:extLst>
-              <a:ext uri="{28A0092B-C50C-407E-A947-70E740481C1C}">
-                <a14:useLocalDpi xmlns:a14="http://schemas.microsoft.com/office/drawing/2010/main" val="0"/>
-              </a:ext>
-              <a:ext uri="{96DAC541-7B7A-43D3-8B79-37D633B846F1}">
-                <asvg:svgBlip xmlns:asvg="http://schemas.microsoft.com/office/drawing/2016/SVG/main" r:embed="rId7"/>
-              </a:ext>
-            </a:extLst>
-          </a:blip>
-          <a:stretch>
-            <a:fillRect/>
-          </a:stretch>
-        </p:blipFill>
-        <p:spPr>
-          <a:xfrm>
-            <a:off x="9122040" y="6043273"/>
-            <a:ext cx="54864" cy="54864"/>
-          </a:xfrm>
-          <a:prstGeom prst="rect">
-            <a:avLst/>
-          </a:prstGeom>
-        </p:spPr>
-      </p:pic>
-      <p:pic>
-        <p:nvPicPr>
-          <p:cNvPr id="22" name="Graphic 21" descr="Shell">
-            <a:extLst>
-              <a:ext uri="{FF2B5EF4-FFF2-40B4-BE49-F238E27FC236}">
-                <a16:creationId xmlns:a16="http://schemas.microsoft.com/office/drawing/2014/main" id="{4C0E07B3-7887-4FCA-8397-E0432330CA9F}"/>
-              </a:ext>
-            </a:extLst>
-          </p:cNvPr>
-          <p:cNvPicPr>
-            <a:picLocks noChangeAspect="1"/>
-          </p:cNvPicPr>
-          <p:nvPr/>
-        </p:nvPicPr>
-        <p:blipFill>
-          <a:blip r:embed="rId6">
-            <a:extLst>
-              <a:ext uri="{28A0092B-C50C-407E-A947-70E740481C1C}">
-                <a14:useLocalDpi xmlns:a14="http://schemas.microsoft.com/office/drawing/2010/main" val="0"/>
-              </a:ext>
-              <a:ext uri="{96DAC541-7B7A-43D3-8B79-37D633B846F1}">
-                <asvg:svgBlip xmlns:asvg="http://schemas.microsoft.com/office/drawing/2016/SVG/main" r:embed="rId7"/>
-              </a:ext>
-            </a:extLst>
-          </a:blip>
-          <a:stretch>
-            <a:fillRect/>
-          </a:stretch>
-        </p:blipFill>
-        <p:spPr>
-          <a:xfrm>
-            <a:off x="9067176" y="6038111"/>
-            <a:ext cx="54864" cy="54864"/>
-          </a:xfrm>
-          <a:prstGeom prst="rect">
-            <a:avLst/>
-          </a:prstGeom>
-        </p:spPr>
-      </p:pic>
+        </p:grpSpPr>
+        <p:grpSp>
+          <p:nvGrpSpPr>
+            <p:cNvPr id="5" name="Group 4">
+              <a:extLst>
+                <a:ext uri="{FF2B5EF4-FFF2-40B4-BE49-F238E27FC236}">
+                  <a16:creationId xmlns:a16="http://schemas.microsoft.com/office/drawing/2014/main" id="{5F5D7396-AA77-4843-A1CD-518A50F92718}"/>
+                </a:ext>
+              </a:extLst>
+            </p:cNvPr>
+            <p:cNvGrpSpPr/>
+            <p:nvPr/>
+          </p:nvGrpSpPr>
+          <p:grpSpPr>
+            <a:xfrm>
+              <a:off x="8066514" y="5000857"/>
+              <a:ext cx="3348357" cy="1332219"/>
+              <a:chOff x="350269" y="3766432"/>
+              <a:chExt cx="4221732" cy="2374724"/>
+            </a:xfrm>
+          </p:grpSpPr>
+          <p:pic>
+            <p:nvPicPr>
+              <p:cNvPr id="1030" name="Picture 6" descr="Dredge fishing gear - Marine Stewardship Council | Marine Stewardship  Council">
+                <a:extLst>
+                  <a:ext uri="{FF2B5EF4-FFF2-40B4-BE49-F238E27FC236}">
+                    <a16:creationId xmlns:a16="http://schemas.microsoft.com/office/drawing/2014/main" id="{DF355ECD-2ED5-42DB-869C-6B6782A41B3B}"/>
+                  </a:ext>
+                </a:extLst>
+              </p:cNvPr>
+              <p:cNvPicPr>
+                <a:picLocks noChangeAspect="1" noChangeArrowheads="1"/>
+              </p:cNvPicPr>
+              <p:nvPr/>
+            </p:nvPicPr>
+            <p:blipFill>
+              <a:blip r:embed="rId7">
+                <a:extLst>
+                  <a:ext uri="{28A0092B-C50C-407E-A947-70E740481C1C}">
+                    <a14:useLocalDpi xmlns:a14="http://schemas.microsoft.com/office/drawing/2010/main" val="0"/>
+                  </a:ext>
+                </a:extLst>
+              </a:blip>
+              <a:srcRect/>
+              <a:stretch>
+                <a:fillRect/>
+              </a:stretch>
+            </p:blipFill>
+            <p:spPr bwMode="auto">
+              <a:xfrm>
+                <a:off x="350269" y="3766432"/>
+                <a:ext cx="4221732" cy="2374724"/>
+              </a:xfrm>
+              <a:prstGeom prst="rect">
+                <a:avLst/>
+              </a:prstGeom>
+              <a:noFill/>
+              <a:extLst>
+                <a:ext uri="{909E8E84-426E-40DD-AFC4-6F175D3DCCD1}">
+                  <a14:hiddenFill xmlns:a14="http://schemas.microsoft.com/office/drawing/2010/main">
+                    <a:solidFill>
+                      <a:srgbClr val="FFFFFF"/>
+                    </a:solidFill>
+                  </a14:hiddenFill>
+                </a:ext>
+              </a:extLst>
+            </p:spPr>
+          </p:pic>
+          <p:sp>
+            <p:nvSpPr>
+              <p:cNvPr id="9" name="TextBox 8">
+                <a:extLst>
+                  <a:ext uri="{FF2B5EF4-FFF2-40B4-BE49-F238E27FC236}">
+                    <a16:creationId xmlns:a16="http://schemas.microsoft.com/office/drawing/2014/main" id="{2CA69344-0728-4924-A008-E7C1CD90B74A}"/>
+                  </a:ext>
+                </a:extLst>
+              </p:cNvPr>
+              <p:cNvSpPr txBox="1"/>
+              <p:nvPr/>
+            </p:nvSpPr>
+            <p:spPr>
+              <a:xfrm>
+                <a:off x="3358445" y="5363822"/>
+                <a:ext cx="1128889" cy="369332"/>
+              </a:xfrm>
+              <a:prstGeom prst="rect">
+                <a:avLst/>
+              </a:prstGeom>
+              <a:noFill/>
+            </p:spPr>
+            <p:txBody>
+              <a:bodyPr wrap="square" rtlCol="0">
+                <a:spAutoFit/>
+              </a:bodyPr>
+              <a:lstStyle/>
+              <a:p>
+                <a:r>
+                  <a:rPr lang="en-US" dirty="0"/>
+                  <a:t>Dredge</a:t>
+                </a:r>
+              </a:p>
+            </p:txBody>
+          </p:sp>
+        </p:grpSp>
+        <p:pic>
+          <p:nvPicPr>
+            <p:cNvPr id="16" name="Graphic 15" descr="Shell">
+              <a:extLst>
+                <a:ext uri="{FF2B5EF4-FFF2-40B4-BE49-F238E27FC236}">
+                  <a16:creationId xmlns:a16="http://schemas.microsoft.com/office/drawing/2014/main" id="{D77BD75B-35AC-418D-A725-7B0C0B8939DB}"/>
+                </a:ext>
+              </a:extLst>
+            </p:cNvPr>
+            <p:cNvPicPr>
+              <a:picLocks noChangeAspect="1"/>
+            </p:cNvPicPr>
+            <p:nvPr/>
+          </p:nvPicPr>
+          <p:blipFill>
+            <a:blip r:embed="rId5">
+              <a:extLst>
+                <a:ext uri="{28A0092B-C50C-407E-A947-70E740481C1C}">
+                  <a14:useLocalDpi xmlns:a14="http://schemas.microsoft.com/office/drawing/2010/main" val="0"/>
+                </a:ext>
+                <a:ext uri="{96DAC541-7B7A-43D3-8B79-37D633B846F1}">
+                  <asvg:svgBlip xmlns:asvg="http://schemas.microsoft.com/office/drawing/2016/SVG/main" r:embed="rId6"/>
+                </a:ext>
+              </a:extLst>
+            </a:blip>
+            <a:stretch>
+              <a:fillRect/>
+            </a:stretch>
+          </p:blipFill>
+          <p:spPr>
+            <a:xfrm>
+              <a:off x="9507612" y="6177055"/>
+              <a:ext cx="54864" cy="54864"/>
+            </a:xfrm>
+            <a:prstGeom prst="rect">
+              <a:avLst/>
+            </a:prstGeom>
+          </p:spPr>
+        </p:pic>
+        <p:pic>
+          <p:nvPicPr>
+            <p:cNvPr id="17" name="Graphic 16" descr="Shell">
+              <a:extLst>
+                <a:ext uri="{FF2B5EF4-FFF2-40B4-BE49-F238E27FC236}">
+                  <a16:creationId xmlns:a16="http://schemas.microsoft.com/office/drawing/2014/main" id="{84A1236A-1C5E-4455-A7C0-43804F4F9D2F}"/>
+                </a:ext>
+              </a:extLst>
+            </p:cNvPr>
+            <p:cNvPicPr>
+              <a:picLocks noChangeAspect="1"/>
+            </p:cNvPicPr>
+            <p:nvPr/>
+          </p:nvPicPr>
+          <p:blipFill>
+            <a:blip r:embed="rId5">
+              <a:extLst>
+                <a:ext uri="{28A0092B-C50C-407E-A947-70E740481C1C}">
+                  <a14:useLocalDpi xmlns:a14="http://schemas.microsoft.com/office/drawing/2010/main" val="0"/>
+                </a:ext>
+                <a:ext uri="{96DAC541-7B7A-43D3-8B79-37D633B846F1}">
+                  <asvg:svgBlip xmlns:asvg="http://schemas.microsoft.com/office/drawing/2016/SVG/main" r:embed="rId6"/>
+                </a:ext>
+              </a:extLst>
+            </a:blip>
+            <a:stretch>
+              <a:fillRect/>
+            </a:stretch>
+          </p:blipFill>
+          <p:spPr>
+            <a:xfrm>
+              <a:off x="9410076" y="6079519"/>
+              <a:ext cx="54864" cy="54864"/>
+            </a:xfrm>
+            <a:prstGeom prst="rect">
+              <a:avLst/>
+            </a:prstGeom>
+          </p:spPr>
+        </p:pic>
+        <p:pic>
+          <p:nvPicPr>
+            <p:cNvPr id="19" name="Graphic 18" descr="Shell">
+              <a:extLst>
+                <a:ext uri="{FF2B5EF4-FFF2-40B4-BE49-F238E27FC236}">
+                  <a16:creationId xmlns:a16="http://schemas.microsoft.com/office/drawing/2014/main" id="{D6585A4B-5133-4A61-83A2-2EE02ED8330E}"/>
+                </a:ext>
+              </a:extLst>
+            </p:cNvPr>
+            <p:cNvPicPr>
+              <a:picLocks noChangeAspect="1"/>
+            </p:cNvPicPr>
+            <p:nvPr/>
+          </p:nvPicPr>
+          <p:blipFill>
+            <a:blip r:embed="rId5">
+              <a:extLst>
+                <a:ext uri="{28A0092B-C50C-407E-A947-70E740481C1C}">
+                  <a14:useLocalDpi xmlns:a14="http://schemas.microsoft.com/office/drawing/2010/main" val="0"/>
+                </a:ext>
+                <a:ext uri="{96DAC541-7B7A-43D3-8B79-37D633B846F1}">
+                  <asvg:svgBlip xmlns:asvg="http://schemas.microsoft.com/office/drawing/2016/SVG/main" r:embed="rId6"/>
+                </a:ext>
+              </a:extLst>
+            </a:blip>
+            <a:stretch>
+              <a:fillRect/>
+            </a:stretch>
+          </p:blipFill>
+          <p:spPr>
+            <a:xfrm>
+              <a:off x="9272916" y="6050261"/>
+              <a:ext cx="54864" cy="54864"/>
+            </a:xfrm>
+            <a:prstGeom prst="rect">
+              <a:avLst/>
+            </a:prstGeom>
+          </p:spPr>
+        </p:pic>
+        <p:pic>
+          <p:nvPicPr>
+            <p:cNvPr id="20" name="Graphic 19" descr="Shell">
+              <a:extLst>
+                <a:ext uri="{FF2B5EF4-FFF2-40B4-BE49-F238E27FC236}">
+                  <a16:creationId xmlns:a16="http://schemas.microsoft.com/office/drawing/2014/main" id="{A687EF74-0412-44C0-B107-562C7CE86032}"/>
+                </a:ext>
+              </a:extLst>
+            </p:cNvPr>
+            <p:cNvPicPr>
+              <a:picLocks noChangeAspect="1"/>
+            </p:cNvPicPr>
+            <p:nvPr/>
+          </p:nvPicPr>
+          <p:blipFill>
+            <a:blip r:embed="rId5">
+              <a:extLst>
+                <a:ext uri="{28A0092B-C50C-407E-A947-70E740481C1C}">
+                  <a14:useLocalDpi xmlns:a14="http://schemas.microsoft.com/office/drawing/2010/main" val="0"/>
+                </a:ext>
+                <a:ext uri="{96DAC541-7B7A-43D3-8B79-37D633B846F1}">
+                  <asvg:svgBlip xmlns:asvg="http://schemas.microsoft.com/office/drawing/2016/SVG/main" r:embed="rId6"/>
+                </a:ext>
+              </a:extLst>
+            </a:blip>
+            <a:stretch>
+              <a:fillRect/>
+            </a:stretch>
+          </p:blipFill>
+          <p:spPr>
+            <a:xfrm>
+              <a:off x="9218052" y="6045099"/>
+              <a:ext cx="54864" cy="54864"/>
+            </a:xfrm>
+            <a:prstGeom prst="rect">
+              <a:avLst/>
+            </a:prstGeom>
+          </p:spPr>
+        </p:pic>
+        <p:pic>
+          <p:nvPicPr>
+            <p:cNvPr id="21" name="Graphic 20" descr="Shell">
+              <a:extLst>
+                <a:ext uri="{FF2B5EF4-FFF2-40B4-BE49-F238E27FC236}">
+                  <a16:creationId xmlns:a16="http://schemas.microsoft.com/office/drawing/2014/main" id="{5FC1D4EC-11AE-4B65-90D8-BE73462CF5DF}"/>
+                </a:ext>
+              </a:extLst>
+            </p:cNvPr>
+            <p:cNvPicPr>
+              <a:picLocks noChangeAspect="1"/>
+            </p:cNvPicPr>
+            <p:nvPr/>
+          </p:nvPicPr>
+          <p:blipFill>
+            <a:blip r:embed="rId5">
+              <a:extLst>
+                <a:ext uri="{28A0092B-C50C-407E-A947-70E740481C1C}">
+                  <a14:useLocalDpi xmlns:a14="http://schemas.microsoft.com/office/drawing/2010/main" val="0"/>
+                </a:ext>
+                <a:ext uri="{96DAC541-7B7A-43D3-8B79-37D633B846F1}">
+                  <asvg:svgBlip xmlns:asvg="http://schemas.microsoft.com/office/drawing/2016/SVG/main" r:embed="rId6"/>
+                </a:ext>
+              </a:extLst>
+            </a:blip>
+            <a:stretch>
+              <a:fillRect/>
+            </a:stretch>
+          </p:blipFill>
+          <p:spPr>
+            <a:xfrm>
+              <a:off x="9122040" y="6043273"/>
+              <a:ext cx="54864" cy="54864"/>
+            </a:xfrm>
+            <a:prstGeom prst="rect">
+              <a:avLst/>
+            </a:prstGeom>
+          </p:spPr>
+        </p:pic>
+        <p:pic>
+          <p:nvPicPr>
+            <p:cNvPr id="22" name="Graphic 21" descr="Shell">
+              <a:extLst>
+                <a:ext uri="{FF2B5EF4-FFF2-40B4-BE49-F238E27FC236}">
+                  <a16:creationId xmlns:a16="http://schemas.microsoft.com/office/drawing/2014/main" id="{4C0E07B3-7887-4FCA-8397-E0432330CA9F}"/>
+                </a:ext>
+              </a:extLst>
+            </p:cNvPr>
+            <p:cNvPicPr>
+              <a:picLocks noChangeAspect="1"/>
+            </p:cNvPicPr>
+            <p:nvPr/>
+          </p:nvPicPr>
+          <p:blipFill>
+            <a:blip r:embed="rId5">
+              <a:extLst>
+                <a:ext uri="{28A0092B-C50C-407E-A947-70E740481C1C}">
+                  <a14:useLocalDpi xmlns:a14="http://schemas.microsoft.com/office/drawing/2010/main" val="0"/>
+                </a:ext>
+                <a:ext uri="{96DAC541-7B7A-43D3-8B79-37D633B846F1}">
+                  <asvg:svgBlip xmlns:asvg="http://schemas.microsoft.com/office/drawing/2016/SVG/main" r:embed="rId6"/>
+                </a:ext>
+              </a:extLst>
+            </a:blip>
+            <a:stretch>
+              <a:fillRect/>
+            </a:stretch>
+          </p:blipFill>
+          <p:spPr>
+            <a:xfrm>
+              <a:off x="9067176" y="6038111"/>
+              <a:ext cx="54864" cy="54864"/>
+            </a:xfrm>
+            <a:prstGeom prst="rect">
+              <a:avLst/>
+            </a:prstGeom>
+          </p:spPr>
+        </p:pic>
+      </p:grpSp>
       <p:sp>
         <p:nvSpPr>
           <p:cNvPr id="12" name="Freeform: Shape 11">
@@ -17176,13 +17197,13 @@
           <p:nvPr/>
         </p:nvPicPr>
         <p:blipFill>
-          <a:blip r:embed="rId6">
+          <a:blip r:embed="rId5">
             <a:extLst>
               <a:ext uri="{28A0092B-C50C-407E-A947-70E740481C1C}">
                 <a14:useLocalDpi xmlns:a14="http://schemas.microsoft.com/office/drawing/2010/main" val="0"/>
               </a:ext>
               <a:ext uri="{96DAC541-7B7A-43D3-8B79-37D633B846F1}">
-                <asvg:svgBlip xmlns:asvg="http://schemas.microsoft.com/office/drawing/2016/SVG/main" r:embed="rId7"/>
+                <asvg:svgBlip xmlns:asvg="http://schemas.microsoft.com/office/drawing/2016/SVG/main" r:embed="rId6"/>
               </a:ext>
             </a:extLst>
           </a:blip>
@@ -17215,13 +17236,13 @@
           <p:nvPr/>
         </p:nvPicPr>
         <p:blipFill>
-          <a:blip r:embed="rId6">
+          <a:blip r:embed="rId5">
             <a:extLst>
               <a:ext uri="{28A0092B-C50C-407E-A947-70E740481C1C}">
                 <a14:useLocalDpi xmlns:a14="http://schemas.microsoft.com/office/drawing/2010/main" val="0"/>
               </a:ext>
               <a:ext uri="{96DAC541-7B7A-43D3-8B79-37D633B846F1}">
-                <asvg:svgBlip xmlns:asvg="http://schemas.microsoft.com/office/drawing/2016/SVG/main" r:embed="rId7"/>
+                <asvg:svgBlip xmlns:asvg="http://schemas.microsoft.com/office/drawing/2016/SVG/main" r:embed="rId6"/>
               </a:ext>
             </a:extLst>
           </a:blip>
@@ -17254,13 +17275,13 @@
           <p:nvPr/>
         </p:nvPicPr>
         <p:blipFill>
-          <a:blip r:embed="rId6">
+          <a:blip r:embed="rId5">
             <a:extLst>
               <a:ext uri="{28A0092B-C50C-407E-A947-70E740481C1C}">
                 <a14:useLocalDpi xmlns:a14="http://schemas.microsoft.com/office/drawing/2010/main" val="0"/>
               </a:ext>
               <a:ext uri="{96DAC541-7B7A-43D3-8B79-37D633B846F1}">
-                <asvg:svgBlip xmlns:asvg="http://schemas.microsoft.com/office/drawing/2016/SVG/main" r:embed="rId7"/>
+                <asvg:svgBlip xmlns:asvg="http://schemas.microsoft.com/office/drawing/2016/SVG/main" r:embed="rId6"/>
               </a:ext>
             </a:extLst>
           </a:blip>
